--- a/Tutorial 3/Tutorial 3 - Number Theory and Mathematical Induction.pptx
+++ b/Tutorial 3/Tutorial 3 - Number Theory and Mathematical Induction.pptx
@@ -345,7 +345,7 @@
           <a:p>
             <a:fld id="{4F1121E5-844A-48A0-AEA1-923C9811B672}" type="datetimeFigureOut">
               <a:rPr lang="en-MY" smtClean="0"/>
-              <a:t>10/9/2018</a:t>
+              <a:t>17/9/2018</a:t>
             </a:fld>
             <a:endParaRPr lang="en-MY"/>
           </a:p>
@@ -553,7 +553,7 @@
           <a:p>
             <a:fld id="{4F1121E5-844A-48A0-AEA1-923C9811B672}" type="datetimeFigureOut">
               <a:rPr lang="en-MY" smtClean="0"/>
-              <a:t>10/9/2018</a:t>
+              <a:t>17/9/2018</a:t>
             </a:fld>
             <a:endParaRPr lang="en-MY"/>
           </a:p>
@@ -809,7 +809,7 @@
           <a:p>
             <a:fld id="{4F1121E5-844A-48A0-AEA1-923C9811B672}" type="datetimeFigureOut">
               <a:rPr lang="en-MY" smtClean="0"/>
-              <a:t>10/9/2018</a:t>
+              <a:t>17/9/2018</a:t>
             </a:fld>
             <a:endParaRPr lang="en-MY"/>
           </a:p>
@@ -979,7 +979,7 @@
           <a:p>
             <a:fld id="{4F1121E5-844A-48A0-AEA1-923C9811B672}" type="datetimeFigureOut">
               <a:rPr lang="en-MY" smtClean="0"/>
-              <a:t>10/9/2018</a:t>
+              <a:t>17/9/2018</a:t>
             </a:fld>
             <a:endParaRPr lang="en-MY"/>
           </a:p>
@@ -1322,7 +1322,7 @@
           <a:p>
             <a:fld id="{4F1121E5-844A-48A0-AEA1-923C9811B672}" type="datetimeFigureOut">
               <a:rPr lang="en-MY" smtClean="0"/>
-              <a:t>10/9/2018</a:t>
+              <a:t>17/9/2018</a:t>
             </a:fld>
             <a:endParaRPr lang="en-MY"/>
           </a:p>
@@ -1597,7 +1597,7 @@
           <a:p>
             <a:fld id="{4F1121E5-844A-48A0-AEA1-923C9811B672}" type="datetimeFigureOut">
               <a:rPr lang="en-MY" smtClean="0"/>
-              <a:t>10/9/2018</a:t>
+              <a:t>17/9/2018</a:t>
             </a:fld>
             <a:endParaRPr lang="en-MY"/>
           </a:p>
@@ -1976,7 +1976,7 @@
           <a:p>
             <a:fld id="{4F1121E5-844A-48A0-AEA1-923C9811B672}" type="datetimeFigureOut">
               <a:rPr lang="en-MY" smtClean="0"/>
-              <a:t>10/9/2018</a:t>
+              <a:t>17/9/2018</a:t>
             </a:fld>
             <a:endParaRPr lang="en-MY"/>
           </a:p>
@@ -2094,7 +2094,7 @@
           <a:p>
             <a:fld id="{4F1121E5-844A-48A0-AEA1-923C9811B672}" type="datetimeFigureOut">
               <a:rPr lang="en-MY" smtClean="0"/>
-              <a:t>10/9/2018</a:t>
+              <a:t>17/9/2018</a:t>
             </a:fld>
             <a:endParaRPr lang="en-MY"/>
           </a:p>
@@ -2265,7 +2265,7 @@
           <a:p>
             <a:fld id="{4F1121E5-844A-48A0-AEA1-923C9811B672}" type="datetimeFigureOut">
               <a:rPr lang="en-MY" smtClean="0"/>
-              <a:t>10/9/2018</a:t>
+              <a:t>17/9/2018</a:t>
             </a:fld>
             <a:endParaRPr lang="en-MY"/>
           </a:p>
@@ -2619,7 +2619,7 @@
           <a:p>
             <a:fld id="{4F1121E5-844A-48A0-AEA1-923C9811B672}" type="datetimeFigureOut">
               <a:rPr lang="en-MY" smtClean="0"/>
-              <a:t>10/9/2018</a:t>
+              <a:t>17/9/2018</a:t>
             </a:fld>
             <a:endParaRPr lang="en-MY"/>
           </a:p>
@@ -2996,7 +2996,7 @@
           <a:p>
             <a:fld id="{4F1121E5-844A-48A0-AEA1-923C9811B672}" type="datetimeFigureOut">
               <a:rPr lang="en-MY" smtClean="0"/>
-              <a:t>10/9/2018</a:t>
+              <a:t>17/9/2018</a:t>
             </a:fld>
             <a:endParaRPr lang="en-MY"/>
           </a:p>
@@ -3283,7 +3283,7 @@
           <a:p>
             <a:fld id="{4F1121E5-844A-48A0-AEA1-923C9811B672}" type="datetimeFigureOut">
               <a:rPr lang="en-MY" smtClean="0"/>
-              <a:t>10/9/2018</a:t>
+              <a:t>17/9/2018</a:t>
             </a:fld>
             <a:endParaRPr lang="en-MY"/>
           </a:p>
@@ -3858,8 +3858,13 @@
           <a:p>
             <a:r>
               <a:rPr lang="en-MY" dirty="0"/>
-              <a:t>AY18/19 – WEEK 4</a:t>
-            </a:r>
+              <a:t>AY18/19 – </a:t>
+            </a:r>
+            <a:r>
+              <a:rPr lang="en-MY"/>
+              <a:t>WEEK 5</a:t>
+            </a:r>
+            <a:endParaRPr lang="en-MY" dirty="0"/>
           </a:p>
           <a:p>
             <a:r>
@@ -4259,8 +4264,8 @@
           </a:p>
         </p:txBody>
       </p:sp>
-      <mc:AlternateContent xmlns:mc="http://schemas.openxmlformats.org/markup-compatibility/2006">
-        <mc:Choice xmlns:a14="http://schemas.microsoft.com/office/drawing/2010/main" Requires="a14">
+      <mc:AlternateContent xmlns:mc="http://schemas.openxmlformats.org/markup-compatibility/2006" xmlns:a14="http://schemas.microsoft.com/office/drawing/2010/main">
+        <mc:Choice Requires="a14">
           <p:sp>
             <p:nvSpPr>
               <p:cNvPr id="3" name="Content Placeholder 2">
@@ -4397,7 +4402,7 @@
             </p:txBody>
           </p:sp>
         </mc:Choice>
-        <mc:Fallback>
+        <mc:Fallback xmlns="">
           <p:sp>
             <p:nvSpPr>
               <p:cNvPr id="3" name="Content Placeholder 2">
